--- a/src/main/resources/graduation.pptx
+++ b/src/main/resources/graduation.pptx
@@ -507,6 +507,7 @@
     </c:plotArea>
     <c:legend>
       <c:legendPos val="b"/>
+      <c:layout/>
       <c:overlay val="0"/>
       <c:spPr>
         <a:noFill/>
@@ -6018,7 +6019,7 @@
           <a:p>
             <a:fld id="{23CEAAF3-9831-450B-8D59-2C09DB96C8FC}" type="datetimeFigureOut">
               <a:rPr lang="zh-CN" altLang="en-US"/>
-              <a:t>2016/5/16</a:t>
+              <a:t>2016/5/17</a:t>
             </a:fld>
             <a:endParaRPr/>
           </a:p>
@@ -6183,7 +6184,7 @@
           <a:p>
             <a:fld id="{2D50CD79-FC16-4410-AB61-17F26E6D3BC8}" type="datetimeFigureOut">
               <a:rPr lang="zh-CN" altLang="en-US"/>
-              <a:t>2016/5/16</a:t>
+              <a:t>2016/5/17</a:t>
             </a:fld>
             <a:endParaRPr/>
           </a:p>
@@ -11306,7 +11307,7 @@
         </p:nvSpPr>
         <p:spPr>
           <a:xfrm>
-            <a:off x="1104900" y="2292094"/>
+            <a:off x="1104900" y="1866209"/>
             <a:ext cx="5734050" cy="2219691"/>
           </a:xfrm>
         </p:spPr>
@@ -11315,8 +11316,12 @@
           <a:lstStyle/>
           <a:p>
             <a:r>
-              <a:rPr lang="zh-CN" altLang="en-US" dirty="0"/>
-              <a:t>带有图片的标题版式</a:t>
+              <a:rPr lang="en-US" altLang="zh-CN" dirty="0" err="1" smtClean="0"/>
+              <a:t>JAVAee</a:t>
+            </a:r>
+            <a:r>
+              <a:rPr lang="zh-CN" altLang="en-US" dirty="0" smtClean="0"/>
+              <a:t>信息收集系统</a:t>
             </a:r>
             <a:endParaRPr lang="en-US" dirty="0"/>
           </a:p>
@@ -11338,9 +11343,28 @@
           <a:lstStyle/>
           <a:p>
             <a:r>
-              <a:rPr lang="zh-CN" altLang="en-US" dirty="0"/>
-              <a:t>副标题</a:t>
+              <a:rPr lang="zh-CN" altLang="en-US" dirty="0" smtClean="0"/>
+              <a:t>答辩人：陈治均</a:t>
             </a:r>
+            <a:endParaRPr lang="en-US" altLang="zh-CN" dirty="0" smtClean="0"/>
+          </a:p>
+          <a:p>
+            <a:r>
+              <a:rPr lang="zh-CN" altLang="en-US" dirty="0" smtClean="0"/>
+              <a:t>指导老师：冯然</a:t>
+            </a:r>
+            <a:endParaRPr lang="en-US" altLang="zh-CN" dirty="0" smtClean="0"/>
+          </a:p>
+          <a:p>
+            <a:r>
+              <a:rPr lang="zh-CN" altLang="en-US" dirty="0" smtClean="0"/>
+              <a:t>答辩日期：</a:t>
+            </a:r>
+            <a:r>
+              <a:rPr lang="en-US" altLang="zh-CN" dirty="0" smtClean="0"/>
+              <a:t>2016.06.18</a:t>
+            </a:r>
+            <a:endParaRPr lang="zh-CN" altLang="en-US" dirty="0"/>
           </a:p>
         </p:txBody>
       </p:sp>
@@ -11367,7 +11391,12 @@
             <a:fillRect/>
           </a:stretch>
         </p:blipFill>
-        <p:spPr/>
+        <p:spPr>
+          <a:xfrm>
+            <a:off x="7728559" y="1466969"/>
+            <a:ext cx="4463441" cy="4000380"/>
+          </a:xfrm>
+        </p:spPr>
       </p:pic>
     </p:spTree>
     <p:extLst>
@@ -11739,6 +11768,243 @@
               </a:rPr>
               <a:t>在此处添加第三个要点</a:t>
             </a:r>
+          </a:p>
+        </p:txBody>
+      </p:sp>
+      <p:sp>
+        <p:nvSpPr>
+          <p:cNvPr id="2" name="矩形 1"/>
+          <p:cNvSpPr/>
+          <p:nvPr/>
+        </p:nvSpPr>
+        <p:spPr>
+          <a:xfrm>
+            <a:off x="1494773" y="3517768"/>
+            <a:ext cx="6096000" cy="1200329"/>
+          </a:xfrm>
+          <a:prstGeom prst="rect">
+            <a:avLst/>
+          </a:prstGeom>
+        </p:spPr>
+        <p:txBody>
+          <a:bodyPr>
+            <a:spAutoFit/>
+          </a:bodyPr>
+          <a:lstStyle/>
+          <a:p>
+            <a:r>
+              <a:rPr lang="en-US" altLang="zh-CN" dirty="0"/>
+              <a:t>1</a:t>
+            </a:r>
+            <a:r>
+              <a:rPr lang="zh-CN" altLang="en-US" dirty="0"/>
+              <a:t>、你的课题来源和价值？</a:t>
+            </a:r>
+            <a:r>
+              <a:rPr lang="en-US" altLang="zh-CN" dirty="0"/>
+              <a:t>2</a:t>
+            </a:r>
+            <a:r>
+              <a:rPr lang="zh-CN" altLang="en-US" dirty="0"/>
+              <a:t>、你要解决的问题是什么？</a:t>
+            </a:r>
+            <a:r>
+              <a:rPr lang="en-US" altLang="zh-CN" dirty="0"/>
+              <a:t>3</a:t>
+            </a:r>
+            <a:r>
+              <a:rPr lang="zh-CN" altLang="en-US" dirty="0"/>
+              <a:t>、你的问题比前人的工作有何提高？</a:t>
+            </a:r>
+            <a:r>
+              <a:rPr lang="en-US" altLang="zh-CN" dirty="0"/>
+              <a:t>4</a:t>
+            </a:r>
+            <a:r>
+              <a:rPr lang="zh-CN" altLang="en-US" dirty="0"/>
+              <a:t>、你设计什么路线或实验来分析问题？</a:t>
+            </a:r>
+            <a:r>
+              <a:rPr lang="en-US" altLang="zh-CN" dirty="0"/>
+              <a:t>5</a:t>
+            </a:r>
+            <a:r>
+              <a:rPr lang="zh-CN" altLang="en-US" dirty="0"/>
+              <a:t>、你的数据中可以推导出什么结论？</a:t>
+            </a:r>
+            <a:r>
+              <a:rPr lang="en-US" altLang="zh-CN" dirty="0"/>
+              <a:t>6</a:t>
+            </a:r>
+            <a:r>
+              <a:rPr lang="zh-CN" altLang="en-US" dirty="0"/>
+              <a:t>、还有哪些问题没有解决或可以继续研究？</a:t>
+            </a:r>
+          </a:p>
+        </p:txBody>
+      </p:sp>
+      <p:sp>
+        <p:nvSpPr>
+          <p:cNvPr id="3" name="矩形 2"/>
+          <p:cNvSpPr/>
+          <p:nvPr/>
+        </p:nvSpPr>
+        <p:spPr>
+          <a:xfrm>
+            <a:off x="4814169" y="1600200"/>
+            <a:ext cx="6096000" cy="1477328"/>
+          </a:xfrm>
+          <a:prstGeom prst="rect">
+            <a:avLst/>
+          </a:prstGeom>
+        </p:spPr>
+        <p:txBody>
+          <a:bodyPr>
+            <a:spAutoFit/>
+          </a:bodyPr>
+          <a:lstStyle/>
+          <a:p>
+            <a:r>
+              <a:rPr lang="en-US" altLang="zh-CN" dirty="0">
+                <a:solidFill>
+                  <a:srgbClr val="333333"/>
+                </a:solidFill>
+                <a:latin typeface="Microsoft Yahei" panose="020B0503020204020204" pitchFamily="34" charset="-122"/>
+                <a:ea typeface="Microsoft Yahei" panose="020B0503020204020204" pitchFamily="34" charset="-122"/>
+              </a:rPr>
+              <a:t>1</a:t>
+            </a:r>
+            <a:r>
+              <a:rPr lang="zh-CN" altLang="en-US" dirty="0">
+                <a:solidFill>
+                  <a:srgbClr val="333333"/>
+                </a:solidFill>
+                <a:latin typeface="Microsoft Yahei" panose="020B0503020204020204" pitchFamily="34" charset="-122"/>
+                <a:ea typeface="Microsoft Yahei" panose="020B0503020204020204" pitchFamily="34" charset="-122"/>
+              </a:rPr>
+              <a:t>、某指导思想指出你该讨论的问题。</a:t>
+            </a:r>
+            <a:r>
+              <a:rPr lang="en-US" altLang="zh-CN" dirty="0">
+                <a:solidFill>
+                  <a:srgbClr val="333333"/>
+                </a:solidFill>
+                <a:latin typeface="Microsoft Yahei" panose="020B0503020204020204" pitchFamily="34" charset="-122"/>
+                <a:ea typeface="Microsoft Yahei" panose="020B0503020204020204" pitchFamily="34" charset="-122"/>
+              </a:rPr>
+              <a:t>2</a:t>
+            </a:r>
+            <a:r>
+              <a:rPr lang="zh-CN" altLang="en-US" dirty="0">
+                <a:solidFill>
+                  <a:srgbClr val="333333"/>
+                </a:solidFill>
+                <a:latin typeface="Microsoft Yahei" panose="020B0503020204020204" pitchFamily="34" charset="-122"/>
+                <a:ea typeface="Microsoft Yahei" panose="020B0503020204020204" pitchFamily="34" charset="-122"/>
+              </a:rPr>
+              <a:t>、强调某思想对解决此问题的关键指导意义。</a:t>
+            </a:r>
+            <a:r>
+              <a:rPr lang="en-US" altLang="zh-CN" dirty="0">
+                <a:solidFill>
+                  <a:srgbClr val="333333"/>
+                </a:solidFill>
+                <a:latin typeface="Microsoft Yahei" panose="020B0503020204020204" pitchFamily="34" charset="-122"/>
+                <a:ea typeface="Microsoft Yahei" panose="020B0503020204020204" pitchFamily="34" charset="-122"/>
+              </a:rPr>
+              <a:t>3</a:t>
+            </a:r>
+            <a:r>
+              <a:rPr lang="zh-CN" altLang="en-US" dirty="0">
+                <a:solidFill>
+                  <a:srgbClr val="333333"/>
+                </a:solidFill>
+                <a:latin typeface="Microsoft Yahei" panose="020B0503020204020204" pitchFamily="34" charset="-122"/>
+                <a:ea typeface="Microsoft Yahei" panose="020B0503020204020204" pitchFamily="34" charset="-122"/>
+              </a:rPr>
+              <a:t>、依据某思想设计解决方案或创作思路。</a:t>
+            </a:r>
+            <a:r>
+              <a:rPr lang="en-US" altLang="zh-CN" dirty="0">
+                <a:solidFill>
+                  <a:srgbClr val="333333"/>
+                </a:solidFill>
+                <a:latin typeface="Microsoft Yahei" panose="020B0503020204020204" pitchFamily="34" charset="-122"/>
+                <a:ea typeface="Microsoft Yahei" panose="020B0503020204020204" pitchFamily="34" charset="-122"/>
+              </a:rPr>
+              <a:t>4</a:t>
+            </a:r>
+            <a:r>
+              <a:rPr lang="zh-CN" altLang="en-US" dirty="0">
+                <a:solidFill>
+                  <a:srgbClr val="333333"/>
+                </a:solidFill>
+                <a:latin typeface="Microsoft Yahei" panose="020B0503020204020204" pitchFamily="34" charset="-122"/>
+                <a:ea typeface="Microsoft Yahei" panose="020B0503020204020204" pitchFamily="34" charset="-122"/>
+              </a:rPr>
+              <a:t>、在某思想指导下取得的成果。</a:t>
+            </a:r>
+            <a:r>
+              <a:rPr lang="en-US" altLang="zh-CN" dirty="0">
+                <a:solidFill>
+                  <a:srgbClr val="333333"/>
+                </a:solidFill>
+                <a:latin typeface="Microsoft Yahei" panose="020B0503020204020204" pitchFamily="34" charset="-122"/>
+                <a:ea typeface="Microsoft Yahei" panose="020B0503020204020204" pitchFamily="34" charset="-122"/>
+              </a:rPr>
+              <a:t>5</a:t>
+            </a:r>
+            <a:r>
+              <a:rPr lang="zh-CN" altLang="en-US" dirty="0">
+                <a:solidFill>
+                  <a:srgbClr val="333333"/>
+                </a:solidFill>
+                <a:latin typeface="Microsoft Yahei" panose="020B0503020204020204" pitchFamily="34" charset="-122"/>
+                <a:ea typeface="Microsoft Yahei" panose="020B0503020204020204" pitchFamily="34" charset="-122"/>
+              </a:rPr>
+              <a:t>、对可疑成果的分析，当然是没有很好贯彻某思想所致。</a:t>
+            </a:r>
+            <a:r>
+              <a:rPr lang="en-US" altLang="zh-CN" dirty="0">
+                <a:solidFill>
+                  <a:srgbClr val="333333"/>
+                </a:solidFill>
+                <a:latin typeface="Microsoft Yahei" panose="020B0503020204020204" pitchFamily="34" charset="-122"/>
+                <a:ea typeface="Microsoft Yahei" panose="020B0503020204020204" pitchFamily="34" charset="-122"/>
+              </a:rPr>
+              <a:t>6</a:t>
+            </a:r>
+            <a:r>
+              <a:rPr lang="zh-CN" altLang="en-US" dirty="0">
+                <a:solidFill>
+                  <a:srgbClr val="333333"/>
+                </a:solidFill>
+                <a:latin typeface="Microsoft Yahei" panose="020B0503020204020204" pitchFamily="34" charset="-122"/>
+                <a:ea typeface="Microsoft Yahei" panose="020B0503020204020204" pitchFamily="34" charset="-122"/>
+              </a:rPr>
+              <a:t>、指出还有哪些问题可以依靠某思想完美解决。</a:t>
+            </a:r>
+            <a:r>
+              <a:rPr lang="en-US" altLang="zh-CN" dirty="0">
+                <a:solidFill>
+                  <a:srgbClr val="333333"/>
+                </a:solidFill>
+                <a:latin typeface="Microsoft Yahei" panose="020B0503020204020204" pitchFamily="34" charset="-122"/>
+                <a:ea typeface="Microsoft Yahei" panose="020B0503020204020204" pitchFamily="34" charset="-122"/>
+              </a:rPr>
+              <a:t>7</a:t>
+            </a:r>
+            <a:r>
+              <a:rPr lang="zh-CN" altLang="en-US" dirty="0">
+                <a:solidFill>
+                  <a:srgbClr val="333333"/>
+                </a:solidFill>
+                <a:latin typeface="Microsoft Yahei" panose="020B0503020204020204" pitchFamily="34" charset="-122"/>
+                <a:ea typeface="Microsoft Yahei" panose="020B0503020204020204" pitchFamily="34" charset="-122"/>
+              </a:rPr>
+              <a:t>、再次感谢某思想！</a:t>
+            </a:r>
+            <a:endParaRPr lang="zh-CN" altLang="en-US" dirty="0"/>
           </a:p>
         </p:txBody>
       </p:sp>
